--- a/Presentation.pptx
+++ b/Presentation.pptx
@@ -18,6 +18,8 @@
     <p:sldId id="263" r:id="rId12"/>
     <p:sldId id="264" r:id="rId13"/>
     <p:sldId id="265" r:id="rId14"/>
+    <p:sldId id="269" r:id="rId15"/>
+    <p:sldId id="270" r:id="rId16"/>
   </p:sldIdLst>
   <p:sldSz cx="12192000" cy="6858000"/>
   <p:notesSz cx="6858000" cy="9144000"/>
@@ -116,6 +118,11 @@
       </a:defRPr>
     </a:lvl9pPr>
   </p:defaultTextStyle>
+  <p:extLst>
+    <p:ext uri="{EFAFB233-063F-42B5-8137-9DF3F51BA10A}">
+      <p15:sldGuideLst xmlns:p15="http://schemas.microsoft.com/office/powerpoint/2012/main"/>
+    </p:ext>
+  </p:extLst>
 </p:presentation>
 </file>
 
@@ -258,7 +265,7 @@
           <a:p>
             <a:fld id="{7B404674-3943-482C-978D-A9EFE06C326E}" type="datetimeFigureOut">
               <a:rPr lang="sl-SI" smtClean="0"/>
-              <a:t>4. 06. 2023</a:t>
+              <a:t>9. 06. 2023</a:t>
             </a:fld>
             <a:endParaRPr lang="sl-SI"/>
           </a:p>
@@ -469,7 +476,7 @@
           <a:p>
             <a:fld id="{7B404674-3943-482C-978D-A9EFE06C326E}" type="datetimeFigureOut">
               <a:rPr lang="sl-SI" smtClean="0"/>
-              <a:t>4. 06. 2023</a:t>
+              <a:t>9. 06. 2023</a:t>
             </a:fld>
             <a:endParaRPr lang="sl-SI"/>
           </a:p>
@@ -684,7 +691,7 @@
           <a:p>
             <a:fld id="{7B404674-3943-482C-978D-A9EFE06C326E}" type="datetimeFigureOut">
               <a:rPr lang="sl-SI" smtClean="0"/>
-              <a:t>4. 06. 2023</a:t>
+              <a:t>9. 06. 2023</a:t>
             </a:fld>
             <a:endParaRPr lang="sl-SI"/>
           </a:p>
@@ -885,7 +892,7 @@
           <a:p>
             <a:fld id="{7B404674-3943-482C-978D-A9EFE06C326E}" type="datetimeFigureOut">
               <a:rPr lang="sl-SI" smtClean="0"/>
-              <a:t>4. 06. 2023</a:t>
+              <a:t>9. 06. 2023</a:t>
             </a:fld>
             <a:endParaRPr lang="sl-SI"/>
           </a:p>
@@ -1164,7 +1171,7 @@
           <a:p>
             <a:fld id="{7B404674-3943-482C-978D-A9EFE06C326E}" type="datetimeFigureOut">
               <a:rPr lang="sl-SI" smtClean="0"/>
-              <a:t>4. 06. 2023</a:t>
+              <a:t>9. 06. 2023</a:t>
             </a:fld>
             <a:endParaRPr lang="sl-SI"/>
           </a:p>
@@ -1432,7 +1439,7 @@
           <a:p>
             <a:fld id="{7B404674-3943-482C-978D-A9EFE06C326E}" type="datetimeFigureOut">
               <a:rPr lang="sl-SI" smtClean="0"/>
-              <a:t>4. 06. 2023</a:t>
+              <a:t>9. 06. 2023</a:t>
             </a:fld>
             <a:endParaRPr lang="sl-SI"/>
           </a:p>
@@ -1848,7 +1855,7 @@
           <a:p>
             <a:fld id="{7B404674-3943-482C-978D-A9EFE06C326E}" type="datetimeFigureOut">
               <a:rPr lang="sl-SI" smtClean="0"/>
-              <a:t>4. 06. 2023</a:t>
+              <a:t>9. 06. 2023</a:t>
             </a:fld>
             <a:endParaRPr lang="sl-SI"/>
           </a:p>
@@ -1997,7 +2004,7 @@
           <a:p>
             <a:fld id="{7B404674-3943-482C-978D-A9EFE06C326E}" type="datetimeFigureOut">
               <a:rPr lang="sl-SI" smtClean="0"/>
-              <a:t>4. 06. 2023</a:t>
+              <a:t>9. 06. 2023</a:t>
             </a:fld>
             <a:endParaRPr lang="sl-SI"/>
           </a:p>
@@ -2123,7 +2130,7 @@
           <a:p>
             <a:fld id="{7B404674-3943-482C-978D-A9EFE06C326E}" type="datetimeFigureOut">
               <a:rPr lang="sl-SI" smtClean="0"/>
-              <a:t>4. 06. 2023</a:t>
+              <a:t>9. 06. 2023</a:t>
             </a:fld>
             <a:endParaRPr lang="sl-SI"/>
           </a:p>
@@ -2374,7 +2381,7 @@
           <a:p>
             <a:fld id="{7B404674-3943-482C-978D-A9EFE06C326E}" type="datetimeFigureOut">
               <a:rPr lang="sl-SI" smtClean="0"/>
-              <a:t>4. 06. 2023</a:t>
+              <a:t>9. 06. 2023</a:t>
             </a:fld>
             <a:endParaRPr lang="sl-SI"/>
           </a:p>
@@ -2819,7 +2826,7 @@
           <a:p>
             <a:fld id="{7B404674-3943-482C-978D-A9EFE06C326E}" type="datetimeFigureOut">
               <a:rPr lang="sl-SI" smtClean="0"/>
-              <a:t>4. 06. 2023</a:t>
+              <a:t>9. 06. 2023</a:t>
             </a:fld>
             <a:endParaRPr lang="sl-SI"/>
           </a:p>
@@ -3146,7 +3153,7 @@
           <a:p>
             <a:fld id="{7B404674-3943-482C-978D-A9EFE06C326E}" type="datetimeFigureOut">
               <a:rPr lang="sl-SI" smtClean="0"/>
-              <a:t>4. 06. 2023</a:t>
+              <a:t>9. 06. 2023</a:t>
             </a:fld>
             <a:endParaRPr lang="sl-SI"/>
           </a:p>
@@ -3916,6 +3923,30 @@
 <file path=ppt/slides/slide11.xml><?xml version="1.0" encoding="utf-8"?>
 <p:sld xmlns:a="http://schemas.openxmlformats.org/drawingml/2006/main" xmlns:r="http://schemas.openxmlformats.org/officeDocument/2006/relationships" xmlns:p="http://schemas.openxmlformats.org/presentationml/2006/main">
   <p:cSld>
+    <p:bg>
+      <p:bgPr>
+        <a:gradFill rotWithShape="1">
+          <a:gsLst>
+            <a:gs pos="0">
+              <a:schemeClr val="bg2">
+                <a:tint val="94000"/>
+                <a:satMod val="80000"/>
+                <a:lumMod val="106000"/>
+              </a:schemeClr>
+            </a:gs>
+            <a:gs pos="100000">
+              <a:schemeClr val="bg2">
+                <a:shade val="80000"/>
+              </a:schemeClr>
+            </a:gs>
+          </a:gsLst>
+          <a:path path="circle">
+            <a:fillToRect l="43000" r="43000" b="100000"/>
+          </a:path>
+        </a:gradFill>
+        <a:effectLst/>
+      </p:bgPr>
+    </p:bg>
     <p:spTree>
       <p:nvGrpSpPr>
         <p:cNvPr id="1" name=""/>
@@ -3932,6 +3963,352 @@
       </p:grpSpPr>
       <p:sp>
         <p:nvSpPr>
+          <p:cNvPr id="34" name="Rectangle 9">
+            <a:extLst>
+              <a:ext uri="{FF2B5EF4-FFF2-40B4-BE49-F238E27FC236}">
+                <a16:creationId xmlns:a16="http://schemas.microsoft.com/office/drawing/2014/main" id="{1CE580D1-F917-4567-AFB4-99AA9B52ADF0}"/>
+              </a:ext>
+              <a:ext uri="{C183D7F6-B498-43B3-948B-1728B52AA6E4}">
+                <adec:decorative xmlns:adec="http://schemas.microsoft.com/office/drawing/2017/decorative" val="1"/>
+              </a:ext>
+            </a:extLst>
+          </p:cNvPr>
+          <p:cNvSpPr>
+            <a:spLocks noGrp="1" noRot="1" noChangeAspect="1" noMove="1" noResize="1" noEditPoints="1" noAdjustHandles="1" noChangeArrowheads="1" noChangeShapeType="1" noTextEdit="1"/>
+          </p:cNvSpPr>
+          <p:nvPr>
+            <p:extLst>
+              <p:ext uri="{386F3935-93C4-4BCD-93E2-E3B085C9AB24}">
+                <p16:designElem xmlns:p16="http://schemas.microsoft.com/office/powerpoint/2015/main" val="1"/>
+              </p:ext>
+            </p:extLst>
+          </p:nvPr>
+        </p:nvSpPr>
+        <p:spPr>
+          <a:xfrm>
+            <a:off x="0" y="2019476"/>
+            <a:ext cx="12192000" cy="4105941"/>
+          </a:xfrm>
+          <a:prstGeom prst="rect">
+            <a:avLst/>
+          </a:prstGeom>
+          <a:gradFill flip="none" rotWithShape="1">
+            <a:gsLst>
+              <a:gs pos="0">
+                <a:schemeClr val="bg2">
+                  <a:alpha val="0"/>
+                </a:schemeClr>
+              </a:gs>
+              <a:gs pos="100000">
+                <a:schemeClr val="bg2"/>
+              </a:gs>
+            </a:gsLst>
+            <a:lin ang="5400000" scaled="0"/>
+            <a:tileRect/>
+          </a:gradFill>
+          <a:ln>
+            <a:noFill/>
+          </a:ln>
+        </p:spPr>
+        <p:style>
+          <a:lnRef idx="2">
+            <a:schemeClr val="accent1">
+              <a:shade val="50000"/>
+            </a:schemeClr>
+          </a:lnRef>
+          <a:fillRef idx="1">
+            <a:schemeClr val="accent1"/>
+          </a:fillRef>
+          <a:effectRef idx="0">
+            <a:schemeClr val="accent1"/>
+          </a:effectRef>
+          <a:fontRef idx="minor">
+            <a:schemeClr val="lt1"/>
+          </a:fontRef>
+        </p:style>
+      </p:sp>
+      <p:pic>
+        <p:nvPicPr>
+          <p:cNvPr id="35" name="Picture 11">
+            <a:extLst>
+              <a:ext uri="{FF2B5EF4-FFF2-40B4-BE49-F238E27FC236}">
+                <a16:creationId xmlns:a16="http://schemas.microsoft.com/office/drawing/2014/main" id="{1F5620B8-A2D8-4568-B566-F0453A0D9167}"/>
+              </a:ext>
+              <a:ext uri="{C183D7F6-B498-43B3-948B-1728B52AA6E4}">
+                <adec:decorative xmlns:adec="http://schemas.microsoft.com/office/drawing/2017/decorative" val="1"/>
+              </a:ext>
+            </a:extLst>
+          </p:cNvPr>
+          <p:cNvPicPr>
+            <a:picLocks noGrp="1" noRot="1" noChangeAspect="1" noMove="1" noResize="1" noEditPoints="1" noAdjustHandles="1" noChangeArrowheads="1" noChangeShapeType="1" noCrop="1"/>
+          </p:cNvPicPr>
+          <p:nvPr>
+            <p:extLst>
+              <p:ext uri="{386F3935-93C4-4BCD-93E2-E3B085C9AB24}">
+                <p16:designElem xmlns:p16="http://schemas.microsoft.com/office/powerpoint/2015/main" val="1"/>
+              </p:ext>
+            </p:extLst>
+          </p:nvPr>
+        </p:nvPicPr>
+        <p:blipFill rotWithShape="1">
+          <a:blip r:embed="rId2">
+            <a:extLst>
+              <a:ext uri="{28A0092B-C50C-407E-A947-70E740481C1C}">
+                <a14:useLocalDpi xmlns:a14="http://schemas.microsoft.com/office/drawing/2010/main" val="0"/>
+              </a:ext>
+            </a:extLst>
+          </a:blip>
+          <a:srcRect t="1538" b="-1538"/>
+          <a:stretch/>
+        </p:blipFill>
+        <p:spPr bwMode="black">
+          <a:xfrm>
+            <a:off x="0" y="6126480"/>
+            <a:ext cx="12192000" cy="742950"/>
+          </a:xfrm>
+          <a:prstGeom prst="rect">
+            <a:avLst/>
+          </a:prstGeom>
+        </p:spPr>
+      </p:pic>
+      <p:cxnSp>
+        <p:nvCxnSpPr>
+          <p:cNvPr id="36" name="Straight Connector 13">
+            <a:extLst>
+              <a:ext uri="{FF2B5EF4-FFF2-40B4-BE49-F238E27FC236}">
+                <a16:creationId xmlns:a16="http://schemas.microsoft.com/office/drawing/2014/main" id="{1C7D2BA4-4B7A-4596-8BCC-5CF715423894}"/>
+              </a:ext>
+              <a:ext uri="{C183D7F6-B498-43B3-948B-1728B52AA6E4}">
+                <adec:decorative xmlns:adec="http://schemas.microsoft.com/office/drawing/2017/decorative" val="1"/>
+              </a:ext>
+            </a:extLst>
+          </p:cNvPr>
+          <p:cNvCxnSpPr>
+            <a:cxnSpLocks noGrp="1" noRot="1" noChangeAspect="1" noMove="1" noResize="1" noEditPoints="1" noAdjustHandles="1" noChangeArrowheads="1" noChangeShapeType="1"/>
+          </p:cNvCxnSpPr>
+          <p:nvPr>
+            <p:extLst>
+              <p:ext uri="{386F3935-93C4-4BCD-93E2-E3B085C9AB24}">
+                <p16:designElem xmlns:p16="http://schemas.microsoft.com/office/powerpoint/2015/main" val="1"/>
+              </p:ext>
+            </p:extLst>
+          </p:nvPr>
+        </p:nvCxnSpPr>
+        <p:spPr>
+          <a:xfrm>
+            <a:off x="0" y="6128413"/>
+            <a:ext cx="12192000" cy="0"/>
+          </a:xfrm>
+          <a:prstGeom prst="line">
+            <a:avLst/>
+          </a:prstGeom>
+          <a:ln w="12700">
+            <a:solidFill>
+              <a:srgbClr val="000001">
+                <a:alpha val="20000"/>
+              </a:srgbClr>
+            </a:solidFill>
+          </a:ln>
+        </p:spPr>
+        <p:style>
+          <a:lnRef idx="1">
+            <a:schemeClr val="accent1"/>
+          </a:lnRef>
+          <a:fillRef idx="0">
+            <a:schemeClr val="accent1"/>
+          </a:fillRef>
+          <a:effectRef idx="0">
+            <a:schemeClr val="accent1"/>
+          </a:effectRef>
+          <a:fontRef idx="minor">
+            <a:schemeClr val="tx1"/>
+          </a:fontRef>
+        </p:style>
+      </p:cxnSp>
+      <p:cxnSp>
+        <p:nvCxnSpPr>
+          <p:cNvPr id="37" name="Straight Connector 15">
+            <a:extLst>
+              <a:ext uri="{FF2B5EF4-FFF2-40B4-BE49-F238E27FC236}">
+                <a16:creationId xmlns:a16="http://schemas.microsoft.com/office/drawing/2014/main" id="{4977F1E1-2B6F-4BB6-899F-67D8764D83C5}"/>
+              </a:ext>
+              <a:ext uri="{C183D7F6-B498-43B3-948B-1728B52AA6E4}">
+                <adec:decorative xmlns:adec="http://schemas.microsoft.com/office/drawing/2017/decorative" val="1"/>
+              </a:ext>
+            </a:extLst>
+          </p:cNvPr>
+          <p:cNvCxnSpPr>
+            <a:cxnSpLocks noGrp="1" noRot="1" noChangeAspect="1" noMove="1" noResize="1" noEditPoints="1" noAdjustHandles="1" noChangeArrowheads="1" noChangeShapeType="1"/>
+          </p:cNvCxnSpPr>
+          <p:nvPr>
+            <p:extLst>
+              <p:ext uri="{386F3935-93C4-4BCD-93E2-E3B085C9AB24}">
+                <p16:designElem xmlns:p16="http://schemas.microsoft.com/office/powerpoint/2015/main" val="1"/>
+              </p:ext>
+            </p:extLst>
+          </p:nvPr>
+        </p:nvCxnSpPr>
+        <p:spPr>
+          <a:xfrm>
+            <a:off x="2417780" y="3528542"/>
+            <a:ext cx="8637072" cy="0"/>
+          </a:xfrm>
+          <a:prstGeom prst="line">
+            <a:avLst/>
+          </a:prstGeom>
+          <a:ln w="31750"/>
+        </p:spPr>
+        <p:style>
+          <a:lnRef idx="3">
+            <a:schemeClr val="accent1"/>
+          </a:lnRef>
+          <a:fillRef idx="0">
+            <a:schemeClr val="accent1"/>
+          </a:fillRef>
+          <a:effectRef idx="2">
+            <a:schemeClr val="accent1"/>
+          </a:effectRef>
+          <a:fontRef idx="minor">
+            <a:schemeClr val="tx1"/>
+          </a:fontRef>
+        </p:style>
+      </p:cxnSp>
+      <p:sp useBgFill="1">
+        <p:nvSpPr>
+          <p:cNvPr id="38" name="Rectangle 17">
+            <a:extLst>
+              <a:ext uri="{FF2B5EF4-FFF2-40B4-BE49-F238E27FC236}">
+                <a16:creationId xmlns:a16="http://schemas.microsoft.com/office/drawing/2014/main" id="{EC17D08F-2133-44A9-B28C-CB29928FA8D9}"/>
+              </a:ext>
+              <a:ext uri="{C183D7F6-B498-43B3-948B-1728B52AA6E4}">
+                <adec:decorative xmlns:adec="http://schemas.microsoft.com/office/drawing/2017/decorative" val="1"/>
+              </a:ext>
+            </a:extLst>
+          </p:cNvPr>
+          <p:cNvSpPr>
+            <a:spLocks noGrp="1" noRot="1" noChangeAspect="1" noMove="1" noResize="1" noEditPoints="1" noAdjustHandles="1" noChangeArrowheads="1" noChangeShapeType="1" noTextEdit="1"/>
+          </p:cNvSpPr>
+          <p:nvPr>
+            <p:extLst>
+              <p:ext uri="{386F3935-93C4-4BCD-93E2-E3B085C9AB24}">
+                <p16:designElem xmlns:p16="http://schemas.microsoft.com/office/powerpoint/2015/main" val="1"/>
+              </p:ext>
+            </p:extLst>
+          </p:nvPr>
+        </p:nvSpPr>
+        <p:spPr>
+          <a:xfrm>
+            <a:off x="2" y="0"/>
+            <a:ext cx="12191695" cy="6858000"/>
+          </a:xfrm>
+          <a:prstGeom prst="rect">
+            <a:avLst/>
+          </a:prstGeom>
+          <a:ln>
+            <a:noFill/>
+          </a:ln>
+        </p:spPr>
+        <p:style>
+          <a:lnRef idx="2">
+            <a:schemeClr val="accent1">
+              <a:shade val="50000"/>
+            </a:schemeClr>
+          </a:lnRef>
+          <a:fillRef idx="1">
+            <a:schemeClr val="accent1"/>
+          </a:fillRef>
+          <a:effectRef idx="0">
+            <a:schemeClr val="accent1"/>
+          </a:effectRef>
+          <a:fontRef idx="minor">
+            <a:schemeClr val="lt1"/>
+          </a:fontRef>
+        </p:style>
+        <p:txBody>
+          <a:bodyPr rtlCol="0" anchor="ctr"/>
+          <a:lstStyle/>
+          <a:p>
+            <a:pPr algn="ctr"/>
+            <a:endParaRPr lang="en-US"/>
+          </a:p>
+        </p:txBody>
+      </p:sp>
+      <p:sp>
+        <p:nvSpPr>
+          <p:cNvPr id="39" name="Rectangle 19">
+            <a:extLst>
+              <a:ext uri="{FF2B5EF4-FFF2-40B4-BE49-F238E27FC236}">
+                <a16:creationId xmlns:a16="http://schemas.microsoft.com/office/drawing/2014/main" id="{0CC36881-E309-4C41-8B5B-203AADC15FF6}"/>
+              </a:ext>
+              <a:ext uri="{C183D7F6-B498-43B3-948B-1728B52AA6E4}">
+                <adec:decorative xmlns:adec="http://schemas.microsoft.com/office/drawing/2017/decorative" val="1"/>
+              </a:ext>
+            </a:extLst>
+          </p:cNvPr>
+          <p:cNvSpPr>
+            <a:spLocks noGrp="1" noRot="1" noChangeAspect="1" noMove="1" noResize="1" noEditPoints="1" noAdjustHandles="1" noChangeArrowheads="1" noChangeShapeType="1" noTextEdit="1"/>
+          </p:cNvSpPr>
+          <p:nvPr>
+            <p:extLst>
+              <p:ext uri="{386F3935-93C4-4BCD-93E2-E3B085C9AB24}">
+                <p16:designElem xmlns:p16="http://schemas.microsoft.com/office/powerpoint/2015/main" val="1"/>
+              </p:ext>
+            </p:extLst>
+          </p:nvPr>
+        </p:nvSpPr>
+        <p:spPr>
+          <a:xfrm>
+            <a:off x="0" y="2019476"/>
+            <a:ext cx="12192000" cy="4105941"/>
+          </a:xfrm>
+          <a:prstGeom prst="rect">
+            <a:avLst/>
+          </a:prstGeom>
+          <a:gradFill flip="none" rotWithShape="1">
+            <a:gsLst>
+              <a:gs pos="0">
+                <a:schemeClr val="bg2">
+                  <a:alpha val="0"/>
+                </a:schemeClr>
+              </a:gs>
+              <a:gs pos="100000">
+                <a:schemeClr val="bg2"/>
+              </a:gs>
+            </a:gsLst>
+            <a:lin ang="5400000" scaled="0"/>
+            <a:tileRect/>
+          </a:gradFill>
+          <a:ln>
+            <a:noFill/>
+          </a:ln>
+        </p:spPr>
+        <p:style>
+          <a:lnRef idx="2">
+            <a:schemeClr val="accent1">
+              <a:shade val="50000"/>
+            </a:schemeClr>
+          </a:lnRef>
+          <a:fillRef idx="1">
+            <a:schemeClr val="accent1"/>
+          </a:fillRef>
+          <a:effectRef idx="0">
+            <a:schemeClr val="accent1"/>
+          </a:effectRef>
+          <a:fontRef idx="minor">
+            <a:schemeClr val="lt1"/>
+          </a:fontRef>
+        </p:style>
+        <p:txBody>
+          <a:bodyPr rtlCol="0" anchor="ctr"/>
+          <a:lstStyle/>
+          <a:p>
+            <a:pPr lvl="0" algn="ctr"/>
+            <a:endParaRPr lang="en-US"/>
+          </a:p>
+        </p:txBody>
+      </p:sp>
+      <p:sp>
+        <p:nvSpPr>
           <p:cNvPr id="2" name="Naslov 1">
             <a:extLst>
               <a:ext uri="{FF2B5EF4-FFF2-40B4-BE49-F238E27FC236}">
@@ -3946,13 +4323,20 @@
             <p:ph type="title"/>
           </p:nvPr>
         </p:nvSpPr>
-        <p:spPr/>
-        <p:txBody>
-          <a:bodyPr/>
-          <a:lstStyle/>
-          <a:p>
-            <a:r>
-              <a:rPr lang="sl-SI" dirty="0"/>
+        <p:spPr>
+          <a:xfrm>
+            <a:off x="659301" y="1474969"/>
+            <a:ext cx="2823919" cy="1868760"/>
+          </a:xfrm>
+        </p:spPr>
+        <p:txBody>
+          <a:bodyPr vert="horz" lIns="91440" tIns="45720" rIns="91440" bIns="0" rtlCol="0" anchor="b">
+            <a:normAutofit/>
+          </a:bodyPr>
+          <a:lstStyle/>
+          <a:p>
+            <a:r>
+              <a:rPr lang="en-US" sz="3600"/>
               <a:t>REACT - prikaz </a:t>
             </a:r>
           </a:p>
@@ -3974,40 +4358,279 @@
             <p:ph idx="1"/>
           </p:nvPr>
         </p:nvSpPr>
-        <p:spPr/>
-        <p:txBody>
-          <a:bodyPr/>
-          <a:lstStyle/>
-          <a:p>
-            <a:r>
-              <a:rPr lang="sl-SI" dirty="0"/>
-              <a:t>Mapa prikazuje poti , ki jih uporabniki </a:t>
-            </a:r>
-            <a:r>
-              <a:rPr lang="sl-SI" dirty="0" err="1"/>
-              <a:t>pošlejo</a:t>
-            </a:r>
-            <a:r>
-              <a:rPr lang="sl-SI" dirty="0"/>
-              <a:t> (</a:t>
-            </a:r>
-            <a:r>
-              <a:rPr lang="sl-SI" dirty="0" err="1"/>
-              <a:t>MyMap</a:t>
-            </a:r>
-            <a:r>
-              <a:rPr lang="sl-SI" dirty="0"/>
-              <a:t> pokaže samo tvoje podatke)</a:t>
-            </a:r>
-          </a:p>
-        </p:txBody>
-      </p:sp>
+        <p:spPr>
+          <a:xfrm>
+            <a:off x="659302" y="3531204"/>
+            <a:ext cx="2823919" cy="1610643"/>
+          </a:xfrm>
+        </p:spPr>
+        <p:txBody>
+          <a:bodyPr vert="horz" lIns="91440" tIns="91440" rIns="91440" bIns="91440" rtlCol="0">
+            <a:normAutofit/>
+          </a:bodyPr>
+          <a:lstStyle/>
+          <a:p>
+            <a:pPr marL="0" indent="0">
+              <a:buNone/>
+            </a:pPr>
+            <a:r>
+              <a:rPr lang="en-US" sz="1600" cap="all"/>
+              <a:t>Mapa prikazuje poti , ki jih uporabniki pošlejo (MyMap pokaže samo tvoje podatke)</a:t>
+            </a:r>
+          </a:p>
+        </p:txBody>
+      </p:sp>
+      <p:cxnSp>
+        <p:nvCxnSpPr>
+          <p:cNvPr id="40" name="Straight Connector 21">
+            <a:extLst>
+              <a:ext uri="{FF2B5EF4-FFF2-40B4-BE49-F238E27FC236}">
+                <a16:creationId xmlns:a16="http://schemas.microsoft.com/office/drawing/2014/main" id="{84F2C6A8-7D46-49EA-860B-0F0B0208436C}"/>
+              </a:ext>
+              <a:ext uri="{C183D7F6-B498-43B3-948B-1728B52AA6E4}">
+                <adec:decorative xmlns:adec="http://schemas.microsoft.com/office/drawing/2017/decorative" val="1"/>
+              </a:ext>
+            </a:extLst>
+          </p:cNvPr>
+          <p:cNvCxnSpPr>
+            <a:cxnSpLocks noGrp="1" noRot="1" noChangeAspect="1" noMove="1" noResize="1" noEditPoints="1" noAdjustHandles="1" noChangeArrowheads="1" noChangeShapeType="1"/>
+          </p:cNvCxnSpPr>
+          <p:nvPr>
+            <p:extLst>
+              <p:ext uri="{386F3935-93C4-4BCD-93E2-E3B085C9AB24}">
+                <p16:designElem xmlns:p16="http://schemas.microsoft.com/office/powerpoint/2015/main" val="1"/>
+              </p:ext>
+            </p:extLst>
+          </p:nvPr>
+        </p:nvCxnSpPr>
+        <p:spPr>
+          <a:xfrm>
+            <a:off x="659301" y="3528543"/>
+            <a:ext cx="2823919" cy="0"/>
+          </a:xfrm>
+          <a:prstGeom prst="line">
+            <a:avLst/>
+          </a:prstGeom>
+          <a:ln w="31750"/>
+        </p:spPr>
+        <p:style>
+          <a:lnRef idx="3">
+            <a:schemeClr val="accent1"/>
+          </a:lnRef>
+          <a:fillRef idx="0">
+            <a:schemeClr val="accent1"/>
+          </a:fillRef>
+          <a:effectRef idx="2">
+            <a:schemeClr val="accent1"/>
+          </a:effectRef>
+          <a:fontRef idx="minor">
+            <a:schemeClr val="tx1"/>
+          </a:fontRef>
+        </p:style>
+      </p:cxnSp>
+      <p:grpSp>
+        <p:nvGrpSpPr>
+          <p:cNvPr id="41" name="Group 23">
+            <a:extLst>
+              <a:ext uri="{FF2B5EF4-FFF2-40B4-BE49-F238E27FC236}">
+                <a16:creationId xmlns:a16="http://schemas.microsoft.com/office/drawing/2014/main" id="{AED92372-F778-4E96-9E90-4E63BAF3CAD3}"/>
+              </a:ext>
+              <a:ext uri="{C183D7F6-B498-43B3-948B-1728B52AA6E4}">
+                <adec:decorative xmlns:adec="http://schemas.microsoft.com/office/drawing/2017/decorative" val="1"/>
+              </a:ext>
+            </a:extLst>
+          </p:cNvPr>
+          <p:cNvGrpSpPr>
+            <a:grpSpLocks noGrp="1" noUngrp="1" noRot="1" noChangeAspect="1" noMove="1" noResize="1"/>
+          </p:cNvGrpSpPr>
+          <p:nvPr>
+            <p:extLst>
+              <p:ext uri="{386F3935-93C4-4BCD-93E2-E3B085C9AB24}">
+                <p16:designElem xmlns:p16="http://schemas.microsoft.com/office/powerpoint/2015/main" val="1"/>
+              </p:ext>
+            </p:extLst>
+          </p:nvPr>
+        </p:nvGrpSpPr>
+        <p:grpSpPr>
+          <a:xfrm>
+            <a:off x="3979389" y="482171"/>
+            <a:ext cx="7560115" cy="5149101"/>
+            <a:chOff x="7463258" y="583365"/>
+            <a:chExt cx="7560115" cy="5181928"/>
+          </a:xfrm>
+        </p:grpSpPr>
+        <p:sp>
+          <p:nvSpPr>
+            <p:cNvPr id="42" name="Rectangle 24">
+              <a:extLst>
+                <a:ext uri="{FF2B5EF4-FFF2-40B4-BE49-F238E27FC236}">
+                  <a16:creationId xmlns:a16="http://schemas.microsoft.com/office/drawing/2014/main" id="{EB4EC089-8B60-43F4-9BF5-1F0B0E398E27}"/>
+                </a:ext>
+                <a:ext uri="{C183D7F6-B498-43B3-948B-1728B52AA6E4}">
+                  <adec:decorative xmlns:adec="http://schemas.microsoft.com/office/drawing/2017/decorative" val="1"/>
+                </a:ext>
+              </a:extLst>
+            </p:cNvPr>
+            <p:cNvSpPr/>
+            <p:nvPr>
+              <p:extLst>
+                <p:ext uri="{386F3935-93C4-4BCD-93E2-E3B085C9AB24}">
+                  <p16:designElem xmlns:p16="http://schemas.microsoft.com/office/powerpoint/2015/main" val="1"/>
+                </p:ext>
+              </p:extLst>
+            </p:nvPr>
+          </p:nvSpPr>
+          <p:spPr>
+            <a:xfrm>
+              <a:off x="7463258" y="583365"/>
+              <a:ext cx="7560115" cy="5181928"/>
+            </a:xfrm>
+            <a:prstGeom prst="rect">
+              <a:avLst/>
+            </a:prstGeom>
+            <a:gradFill>
+              <a:gsLst>
+                <a:gs pos="0">
+                  <a:srgbClr val="000001"/>
+                </a:gs>
+                <a:gs pos="100000">
+                  <a:srgbClr val="191919"/>
+                </a:gs>
+              </a:gsLst>
+            </a:gradFill>
+            <a:ln w="76200" cmpd="sng">
+              <a:noFill/>
+              <a:miter lim="800000"/>
+            </a:ln>
+            <a:effectLst>
+              <a:outerShdw blurRad="127000" dist="228600" dir="4740000" sx="98000" sy="98000" algn="tl" rotWithShape="0">
+                <a:srgbClr val="000000">
+                  <a:alpha val="34000"/>
+                </a:srgbClr>
+              </a:outerShdw>
+            </a:effectLst>
+            <a:scene3d>
+              <a:camera prst="orthographicFront"/>
+              <a:lightRig rig="threePt" dir="t"/>
+            </a:scene3d>
+            <a:sp3d>
+              <a:bevelT w="152400" h="50800" prst="softRound"/>
+            </a:sp3d>
+          </p:spPr>
+          <p:style>
+            <a:lnRef idx="1">
+              <a:schemeClr val="accent1"/>
+            </a:lnRef>
+            <a:fillRef idx="3">
+              <a:schemeClr val="accent1"/>
+            </a:fillRef>
+            <a:effectRef idx="2">
+              <a:schemeClr val="accent1"/>
+            </a:effectRef>
+            <a:fontRef idx="minor">
+              <a:schemeClr val="lt1"/>
+            </a:fontRef>
+          </p:style>
+          <p:txBody>
+            <a:bodyPr rtlCol="0" anchor="ctr"/>
+            <a:lstStyle/>
+            <a:p>
+              <a:pPr algn="ctr"/>
+              <a:endParaRPr lang="en-US"/>
+            </a:p>
+          </p:txBody>
+        </p:sp>
+        <p:sp>
+          <p:nvSpPr>
+            <p:cNvPr id="43" name="Rectangle 25">
+              <a:extLst>
+                <a:ext uri="{FF2B5EF4-FFF2-40B4-BE49-F238E27FC236}">
+                  <a16:creationId xmlns:a16="http://schemas.microsoft.com/office/drawing/2014/main" id="{1C0BAC91-1725-4E5A-92CE-F5A2EB0661A8}"/>
+                </a:ext>
+                <a:ext uri="{C183D7F6-B498-43B3-948B-1728B52AA6E4}">
+                  <adec:decorative xmlns:adec="http://schemas.microsoft.com/office/drawing/2017/decorative" val="1"/>
+                </a:ext>
+              </a:extLst>
+            </p:cNvPr>
+            <p:cNvSpPr/>
+            <p:nvPr>
+              <p:extLst>
+                <p:ext uri="{386F3935-93C4-4BCD-93E2-E3B085C9AB24}">
+                  <p16:designElem xmlns:p16="http://schemas.microsoft.com/office/powerpoint/2015/main" val="1"/>
+                </p:ext>
+              </p:extLst>
+            </p:nvPr>
+          </p:nvSpPr>
+          <p:spPr>
+            <a:xfrm>
+              <a:off x="7776317" y="915807"/>
+              <a:ext cx="6928279" cy="4494927"/>
+            </a:xfrm>
+            <a:prstGeom prst="rect">
+              <a:avLst/>
+            </a:prstGeom>
+            <a:gradFill>
+              <a:gsLst>
+                <a:gs pos="0">
+                  <a:srgbClr val="DADADA"/>
+                </a:gs>
+                <a:gs pos="100000">
+                  <a:srgbClr val="FFFFFE"/>
+                </a:gs>
+              </a:gsLst>
+              <a:lin ang="16200000" scaled="0"/>
+            </a:gradFill>
+            <a:ln w="50800" cmpd="sng">
+              <a:solidFill>
+                <a:srgbClr val="191919"/>
+              </a:solidFill>
+              <a:miter lim="800000"/>
+            </a:ln>
+            <a:effectLst>
+              <a:innerShdw blurRad="63500" dist="88900" dir="14100000">
+                <a:srgbClr val="000000">
+                  <a:alpha val="30000"/>
+                </a:srgbClr>
+              </a:innerShdw>
+            </a:effectLst>
+            <a:scene3d>
+              <a:camera prst="orthographicFront"/>
+              <a:lightRig rig="threePt" dir="t"/>
+            </a:scene3d>
+            <a:sp3d>
+              <a:bevelT prst="relaxedInset"/>
+            </a:sp3d>
+          </p:spPr>
+          <p:style>
+            <a:lnRef idx="1">
+              <a:schemeClr val="accent1"/>
+            </a:lnRef>
+            <a:fillRef idx="3">
+              <a:schemeClr val="accent1"/>
+            </a:fillRef>
+            <a:effectRef idx="2">
+              <a:schemeClr val="accent1"/>
+            </a:effectRef>
+            <a:fontRef idx="minor">
+              <a:schemeClr val="lt1"/>
+            </a:fontRef>
+          </p:style>
+          <p:txBody>
+            <a:bodyPr rtlCol="0" anchor="ctr"/>
+            <a:lstStyle/>
+            <a:p>
+              <a:pPr algn="ctr"/>
+              <a:endParaRPr lang="en-US"/>
+            </a:p>
+          </p:txBody>
+        </p:sp>
+      </p:grpSp>
       <p:pic>
         <p:nvPicPr>
-          <p:cNvPr id="6" name="Označba mesta vsebine 4">
+          <p:cNvPr id="5" name="Slika 4">
             <a:extLst>
               <a:ext uri="{FF2B5EF4-FFF2-40B4-BE49-F238E27FC236}">
-                <a16:creationId xmlns:a16="http://schemas.microsoft.com/office/drawing/2014/main" id="{AFD5A854-E2C4-CF4F-F69F-D343A6BACC4E}"/>
+                <a16:creationId xmlns:a16="http://schemas.microsoft.com/office/drawing/2014/main" id="{A3B223D8-8420-7A0E-9D60-BC1382C91E53}"/>
               </a:ext>
             </a:extLst>
           </p:cNvPr>
@@ -4016,22 +4639,119 @@
           </p:cNvPicPr>
           <p:nvPr/>
         </p:nvPicPr>
-        <p:blipFill>
-          <a:blip r:embed="rId2"/>
-          <a:stretch>
-            <a:fillRect/>
-          </a:stretch>
+        <p:blipFill rotWithShape="1">
+          <a:blip r:embed="rId3"/>
+          <a:srcRect l="8243" r="11314" b="-1"/>
+          <a:stretch/>
         </p:blipFill>
         <p:spPr>
           <a:xfrm>
-            <a:off x="1451579" y="2454553"/>
-            <a:ext cx="7612441" cy="3449638"/>
+            <a:off x="4618374" y="1116345"/>
+            <a:ext cx="6282919" cy="3866172"/>
           </a:xfrm>
           <a:prstGeom prst="rect">
             <a:avLst/>
           </a:prstGeom>
         </p:spPr>
       </p:pic>
+      <p:pic>
+        <p:nvPicPr>
+          <p:cNvPr id="44" name="Picture 27">
+            <a:extLst>
+              <a:ext uri="{FF2B5EF4-FFF2-40B4-BE49-F238E27FC236}">
+                <a16:creationId xmlns:a16="http://schemas.microsoft.com/office/drawing/2014/main" id="{4B61EBEC-D0CA-456C-98A6-EDA1AC9FB0D6}"/>
+              </a:ext>
+              <a:ext uri="{C183D7F6-B498-43B3-948B-1728B52AA6E4}">
+                <adec:decorative xmlns:adec="http://schemas.microsoft.com/office/drawing/2017/decorative" val="1"/>
+              </a:ext>
+            </a:extLst>
+          </p:cNvPr>
+          <p:cNvPicPr>
+            <a:picLocks noGrp="1" noRot="1" noChangeAspect="1" noMove="1" noResize="1" noEditPoints="1" noAdjustHandles="1" noChangeArrowheads="1" noChangeShapeType="1" noCrop="1"/>
+          </p:cNvPicPr>
+          <p:nvPr>
+            <p:extLst>
+              <p:ext uri="{386F3935-93C4-4BCD-93E2-E3B085C9AB24}">
+                <p16:designElem xmlns:p16="http://schemas.microsoft.com/office/powerpoint/2015/main" val="1"/>
+              </p:ext>
+            </p:extLst>
+          </p:nvPr>
+        </p:nvPicPr>
+        <p:blipFill rotWithShape="1">
+          <a:blip r:embed="rId2">
+            <a:extLst>
+              <a:ext uri="{28A0092B-C50C-407E-A947-70E740481C1C}">
+                <a14:useLocalDpi xmlns:a14="http://schemas.microsoft.com/office/drawing/2010/main" val="0"/>
+              </a:ext>
+            </a:extLst>
+          </a:blip>
+          <a:srcRect t="1538" b="-1538"/>
+          <a:stretch/>
+        </p:blipFill>
+        <p:spPr bwMode="black">
+          <a:xfrm>
+            <a:off x="0" y="6126480"/>
+            <a:ext cx="12192000" cy="742950"/>
+          </a:xfrm>
+          <a:prstGeom prst="rect">
+            <a:avLst/>
+          </a:prstGeom>
+        </p:spPr>
+      </p:pic>
+      <p:cxnSp>
+        <p:nvCxnSpPr>
+          <p:cNvPr id="45" name="Straight Connector 29">
+            <a:extLst>
+              <a:ext uri="{FF2B5EF4-FFF2-40B4-BE49-F238E27FC236}">
+                <a16:creationId xmlns:a16="http://schemas.microsoft.com/office/drawing/2014/main" id="{718A71EB-D327-4458-85FB-26336B2BA01B}"/>
+              </a:ext>
+              <a:ext uri="{C183D7F6-B498-43B3-948B-1728B52AA6E4}">
+                <adec:decorative xmlns:adec="http://schemas.microsoft.com/office/drawing/2017/decorative" val="1"/>
+              </a:ext>
+            </a:extLst>
+          </p:cNvPr>
+          <p:cNvCxnSpPr>
+            <a:cxnSpLocks noGrp="1" noRot="1" noChangeAspect="1" noMove="1" noResize="1" noEditPoints="1" noAdjustHandles="1" noChangeArrowheads="1" noChangeShapeType="1"/>
+          </p:cNvCxnSpPr>
+          <p:nvPr>
+            <p:extLst>
+              <p:ext uri="{386F3935-93C4-4BCD-93E2-E3B085C9AB24}">
+                <p16:designElem xmlns:p16="http://schemas.microsoft.com/office/powerpoint/2015/main" val="1"/>
+              </p:ext>
+            </p:extLst>
+          </p:nvPr>
+        </p:nvCxnSpPr>
+        <p:spPr>
+          <a:xfrm>
+            <a:off x="0" y="6128413"/>
+            <a:ext cx="12192000" cy="0"/>
+          </a:xfrm>
+          <a:prstGeom prst="line">
+            <a:avLst/>
+          </a:prstGeom>
+          <a:ln w="12700">
+            <a:solidFill>
+              <a:srgbClr val="000001">
+                <a:alpha val="20000"/>
+              </a:srgbClr>
+            </a:solidFill>
+          </a:ln>
+        </p:spPr>
+        <p:style>
+          <a:lnRef idx="1">
+            <a:schemeClr val="accent1"/>
+          </a:lnRef>
+          <a:fillRef idx="0">
+            <a:schemeClr val="accent1"/>
+          </a:fillRef>
+          <a:effectRef idx="0">
+            <a:schemeClr val="accent1"/>
+          </a:effectRef>
+          <a:fontRef idx="minor">
+            <a:schemeClr val="tx1"/>
+          </a:fontRef>
+        </p:style>
+      </p:cxnSp>
     </p:spTree>
     <p:extLst>
       <p:ext uri="{BB962C8B-B14F-4D97-AF65-F5344CB8AC3E}">
@@ -4042,6 +4762,98 @@
   <p:clrMapOvr>
     <a:masterClrMapping/>
   </p:clrMapOvr>
+  <p:timing>
+    <p:tnLst>
+      <p:par>
+        <p:cTn id="1" dur="indefinite" restart="never" nodeType="tmRoot">
+          <p:childTnLst>
+            <p:seq concurrent="1" nextAc="seek">
+              <p:cTn id="2" dur="indefinite" nodeType="mainSeq">
+                <p:childTnLst>
+                  <p:par>
+                    <p:cTn id="3" fill="hold">
+                      <p:stCondLst>
+                        <p:cond delay="indefinite"/>
+                        <p:cond evt="onBegin" delay="0">
+                          <p:tn val="2"/>
+                        </p:cond>
+                      </p:stCondLst>
+                      <p:childTnLst>
+                        <p:par>
+                          <p:cTn id="4" fill="hold">
+                            <p:stCondLst>
+                              <p:cond delay="0"/>
+                            </p:stCondLst>
+                            <p:childTnLst>
+                              <p:par>
+                                <p:cTn id="5" presetID="10" presetClass="entr" presetSubtype="0" fill="hold" grpId="0" nodeType="withEffect">
+                                  <p:stCondLst>
+                                    <p:cond delay="1000"/>
+                                  </p:stCondLst>
+                                  <p:iterate type="lt">
+                                    <p:tmPct val="10000"/>
+                                  </p:iterate>
+                                  <p:childTnLst>
+                                    <p:set>
+                                      <p:cBhvr>
+                                        <p:cTn id="6" dur="1" fill="hold">
+                                          <p:stCondLst>
+                                            <p:cond delay="0"/>
+                                          </p:stCondLst>
+                                        </p:cTn>
+                                        <p:tgtEl>
+                                          <p:spTgt spid="2"/>
+                                        </p:tgtEl>
+                                        <p:attrNameLst>
+                                          <p:attrName>style.visibility</p:attrName>
+                                        </p:attrNameLst>
+                                      </p:cBhvr>
+                                      <p:to>
+                                        <p:strVal val="visible"/>
+                                      </p:to>
+                                    </p:set>
+                                    <p:animEffect transition="in" filter="fade">
+                                      <p:cBhvr>
+                                        <p:cTn id="7" dur="400"/>
+                                        <p:tgtEl>
+                                          <p:spTgt spid="2"/>
+                                        </p:tgtEl>
+                                      </p:cBhvr>
+                                    </p:animEffect>
+                                  </p:childTnLst>
+                                </p:cTn>
+                              </p:par>
+                            </p:childTnLst>
+                          </p:cTn>
+                        </p:par>
+                      </p:childTnLst>
+                    </p:cTn>
+                  </p:par>
+                </p:childTnLst>
+              </p:cTn>
+              <p:prevCondLst>
+                <p:cond evt="onPrev" delay="0">
+                  <p:tgtEl>
+                    <p:sldTgt/>
+                  </p:tgtEl>
+                </p:cond>
+              </p:prevCondLst>
+              <p:nextCondLst>
+                <p:cond evt="onNext" delay="0">
+                  <p:tgtEl>
+                    <p:sldTgt/>
+                  </p:tgtEl>
+                </p:cond>
+              </p:nextCondLst>
+            </p:seq>
+          </p:childTnLst>
+        </p:cTn>
+      </p:par>
+    </p:tnLst>
+    <p:bldLst>
+      <p:bldP spid="2" grpId="0"/>
+    </p:bldLst>
+  </p:timing>
 </p:sld>
 </file>
 
@@ -4268,6 +5080,860 @@
     <p:extLst>
       <p:ext uri="{BB962C8B-B14F-4D97-AF65-F5344CB8AC3E}">
         <p14:creationId xmlns:p14="http://schemas.microsoft.com/office/powerpoint/2010/main" val="3432413296"/>
+      </p:ext>
+    </p:extLst>
+  </p:cSld>
+  <p:clrMapOvr>
+    <a:masterClrMapping/>
+  </p:clrMapOvr>
+</p:sld>
+</file>
+
+<file path=ppt/slides/slide14.xml><?xml version="1.0" encoding="utf-8"?>
+<p:sld xmlns:a="http://schemas.openxmlformats.org/drawingml/2006/main" xmlns:r="http://schemas.openxmlformats.org/officeDocument/2006/relationships" xmlns:p="http://schemas.openxmlformats.org/presentationml/2006/main">
+  <p:cSld>
+    <p:bg>
+      <p:bgPr>
+        <a:gradFill rotWithShape="1">
+          <a:gsLst>
+            <a:gs pos="0">
+              <a:schemeClr val="bg2">
+                <a:tint val="94000"/>
+                <a:satMod val="80000"/>
+                <a:lumMod val="106000"/>
+              </a:schemeClr>
+            </a:gs>
+            <a:gs pos="100000">
+              <a:schemeClr val="bg2">
+                <a:shade val="80000"/>
+              </a:schemeClr>
+            </a:gs>
+          </a:gsLst>
+          <a:path path="circle">
+            <a:fillToRect l="43000" r="43000" b="100000"/>
+          </a:path>
+        </a:gradFill>
+        <a:effectLst/>
+      </p:bgPr>
+    </p:bg>
+    <p:spTree>
+      <p:nvGrpSpPr>
+        <p:cNvPr id="1" name=""/>
+        <p:cNvGrpSpPr/>
+        <p:nvPr/>
+      </p:nvGrpSpPr>
+      <p:grpSpPr>
+        <a:xfrm>
+          <a:off x="0" y="0"/>
+          <a:ext cx="0" cy="0"/>
+          <a:chOff x="0" y="0"/>
+          <a:chExt cx="0" cy="0"/>
+        </a:xfrm>
+      </p:grpSpPr>
+      <p:sp useBgFill="1">
+        <p:nvSpPr>
+          <p:cNvPr id="12" name="Rectangle 11">
+            <a:extLst>
+              <a:ext uri="{FF2B5EF4-FFF2-40B4-BE49-F238E27FC236}">
+                <a16:creationId xmlns:a16="http://schemas.microsoft.com/office/drawing/2014/main" id="{35C3D674-3D59-4E93-80CA-0C0A9095E816}"/>
+              </a:ext>
+              <a:ext uri="{C183D7F6-B498-43B3-948B-1728B52AA6E4}">
+                <adec:decorative xmlns:adec="http://schemas.microsoft.com/office/drawing/2017/decorative" val="1"/>
+              </a:ext>
+            </a:extLst>
+          </p:cNvPr>
+          <p:cNvSpPr>
+            <a:spLocks noGrp="1" noRot="1" noChangeAspect="1" noMove="1" noResize="1" noEditPoints="1" noAdjustHandles="1" noChangeArrowheads="1" noChangeShapeType="1" noTextEdit="1"/>
+          </p:cNvSpPr>
+          <p:nvPr>
+            <p:extLst>
+              <p:ext uri="{386F3935-93C4-4BCD-93E2-E3B085C9AB24}">
+                <p16:designElem xmlns:p16="http://schemas.microsoft.com/office/powerpoint/2015/main" val="1"/>
+              </p:ext>
+            </p:extLst>
+          </p:nvPr>
+        </p:nvSpPr>
+        <p:spPr>
+          <a:xfrm>
+            <a:off x="2" y="0"/>
+            <a:ext cx="12191695" cy="6858000"/>
+          </a:xfrm>
+          <a:prstGeom prst="rect">
+            <a:avLst/>
+          </a:prstGeom>
+          <a:ln>
+            <a:noFill/>
+          </a:ln>
+        </p:spPr>
+        <p:style>
+          <a:lnRef idx="2">
+            <a:schemeClr val="accent1">
+              <a:shade val="50000"/>
+            </a:schemeClr>
+          </a:lnRef>
+          <a:fillRef idx="1">
+            <a:schemeClr val="accent1"/>
+          </a:fillRef>
+          <a:effectRef idx="0">
+            <a:schemeClr val="accent1"/>
+          </a:effectRef>
+          <a:fontRef idx="minor">
+            <a:schemeClr val="lt1"/>
+          </a:fontRef>
+        </p:style>
+        <p:txBody>
+          <a:bodyPr rtlCol="0" anchor="ctr"/>
+          <a:lstStyle/>
+          <a:p>
+            <a:pPr algn="ctr"/>
+            <a:endParaRPr lang="en-US"/>
+          </a:p>
+        </p:txBody>
+      </p:sp>
+      <p:cxnSp>
+        <p:nvCxnSpPr>
+          <p:cNvPr id="14" name="Straight Connector 13">
+            <a:extLst>
+              <a:ext uri="{FF2B5EF4-FFF2-40B4-BE49-F238E27FC236}">
+                <a16:creationId xmlns:a16="http://schemas.microsoft.com/office/drawing/2014/main" id="{C884B8F8-FDC9-498B-9960-5D7260AFCB03}"/>
+              </a:ext>
+              <a:ext uri="{C183D7F6-B498-43B3-948B-1728B52AA6E4}">
+                <adec:decorative xmlns:adec="http://schemas.microsoft.com/office/drawing/2017/decorative" val="1"/>
+              </a:ext>
+            </a:extLst>
+          </p:cNvPr>
+          <p:cNvCxnSpPr>
+            <a:cxnSpLocks noGrp="1" noRot="1" noChangeAspect="1" noMove="1" noResize="1" noEditPoints="1" noAdjustHandles="1" noChangeArrowheads="1" noChangeShapeType="1"/>
+          </p:cNvCxnSpPr>
+          <p:nvPr>
+            <p:extLst>
+              <p:ext uri="{386F3935-93C4-4BCD-93E2-E3B085C9AB24}">
+                <p16:designElem xmlns:p16="http://schemas.microsoft.com/office/powerpoint/2015/main" val="1"/>
+              </p:ext>
+            </p:extLst>
+          </p:nvPr>
+        </p:nvCxnSpPr>
+        <p:spPr>
+          <a:xfrm>
+            <a:off x="1453896" y="1847088"/>
+            <a:ext cx="4177373" cy="0"/>
+          </a:xfrm>
+          <a:prstGeom prst="line">
+            <a:avLst/>
+          </a:prstGeom>
+          <a:ln w="31750"/>
+        </p:spPr>
+        <p:style>
+          <a:lnRef idx="3">
+            <a:schemeClr val="accent1"/>
+          </a:lnRef>
+          <a:fillRef idx="0">
+            <a:schemeClr val="accent1"/>
+          </a:fillRef>
+          <a:effectRef idx="2">
+            <a:schemeClr val="accent1"/>
+          </a:effectRef>
+          <a:fontRef idx="minor">
+            <a:schemeClr val="tx1"/>
+          </a:fontRef>
+        </p:style>
+      </p:cxnSp>
+      <p:sp>
+        <p:nvSpPr>
+          <p:cNvPr id="2" name="Naslov 1">
+            <a:extLst>
+              <a:ext uri="{FF2B5EF4-FFF2-40B4-BE49-F238E27FC236}">
+                <a16:creationId xmlns:a16="http://schemas.microsoft.com/office/drawing/2014/main" id="{25185192-8EB6-3E91-C3C9-303B429BDD83}"/>
+              </a:ext>
+            </a:extLst>
+          </p:cNvPr>
+          <p:cNvSpPr>
+            <a:spLocks noGrp="1"/>
+          </p:cNvSpPr>
+          <p:nvPr>
+            <p:ph type="title"/>
+          </p:nvPr>
+        </p:nvSpPr>
+        <p:spPr>
+          <a:xfrm>
+            <a:off x="1451580" y="804520"/>
+            <a:ext cx="4176511" cy="1049235"/>
+          </a:xfrm>
+        </p:spPr>
+        <p:txBody>
+          <a:bodyPr>
+            <a:normAutofit/>
+          </a:bodyPr>
+          <a:lstStyle/>
+          <a:p>
+            <a:r>
+              <a:rPr lang="sl-SI" sz="2200"/>
+              <a:t>Express – koda za brisanje starih podatkov</a:t>
+            </a:r>
+          </a:p>
+        </p:txBody>
+      </p:sp>
+      <p:sp>
+        <p:nvSpPr>
+          <p:cNvPr id="16" name="Rectangle 15">
+            <a:extLst>
+              <a:ext uri="{FF2B5EF4-FFF2-40B4-BE49-F238E27FC236}">
+                <a16:creationId xmlns:a16="http://schemas.microsoft.com/office/drawing/2014/main" id="{EF2A81E1-BCBE-426B-8C09-33274E69409D}"/>
+              </a:ext>
+              <a:ext uri="{C183D7F6-B498-43B3-948B-1728B52AA6E4}">
+                <adec:decorative xmlns:adec="http://schemas.microsoft.com/office/drawing/2017/decorative" val="1"/>
+              </a:ext>
+            </a:extLst>
+          </p:cNvPr>
+          <p:cNvSpPr>
+            <a:spLocks noGrp="1" noRot="1" noChangeAspect="1" noMove="1" noResize="1" noEditPoints="1" noAdjustHandles="1" noChangeArrowheads="1" noChangeShapeType="1" noTextEdit="1"/>
+          </p:cNvSpPr>
+          <p:nvPr>
+            <p:extLst>
+              <p:ext uri="{386F3935-93C4-4BCD-93E2-E3B085C9AB24}">
+                <p16:designElem xmlns:p16="http://schemas.microsoft.com/office/powerpoint/2015/main" val="1"/>
+              </p:ext>
+            </p:extLst>
+          </p:nvPr>
+        </p:nvSpPr>
+        <p:spPr>
+          <a:xfrm>
+            <a:off x="0" y="2019476"/>
+            <a:ext cx="12192000" cy="4105941"/>
+          </a:xfrm>
+          <a:prstGeom prst="rect">
+            <a:avLst/>
+          </a:prstGeom>
+          <a:gradFill flip="none" rotWithShape="1">
+            <a:gsLst>
+              <a:gs pos="0">
+                <a:schemeClr val="bg2">
+                  <a:alpha val="0"/>
+                </a:schemeClr>
+              </a:gs>
+              <a:gs pos="100000">
+                <a:schemeClr val="bg2"/>
+              </a:gs>
+            </a:gsLst>
+            <a:lin ang="5400000" scaled="0"/>
+            <a:tileRect/>
+          </a:gradFill>
+          <a:ln>
+            <a:noFill/>
+          </a:ln>
+        </p:spPr>
+        <p:style>
+          <a:lnRef idx="2">
+            <a:schemeClr val="accent1">
+              <a:shade val="50000"/>
+            </a:schemeClr>
+          </a:lnRef>
+          <a:fillRef idx="1">
+            <a:schemeClr val="accent1"/>
+          </a:fillRef>
+          <a:effectRef idx="0">
+            <a:schemeClr val="accent1"/>
+          </a:effectRef>
+          <a:fontRef idx="minor">
+            <a:schemeClr val="lt1"/>
+          </a:fontRef>
+        </p:style>
+        <p:txBody>
+          <a:bodyPr rtlCol="0" anchor="ctr"/>
+          <a:lstStyle/>
+          <a:p>
+            <a:pPr lvl="0" algn="ctr"/>
+            <a:endParaRPr lang="en-US"/>
+          </a:p>
+        </p:txBody>
+      </p:sp>
+      <p:sp>
+        <p:nvSpPr>
+          <p:cNvPr id="9" name="Content Placeholder 8">
+            <a:extLst>
+              <a:ext uri="{FF2B5EF4-FFF2-40B4-BE49-F238E27FC236}">
+                <a16:creationId xmlns:a16="http://schemas.microsoft.com/office/drawing/2014/main" id="{546CC7CC-FBC9-D0A5-DA83-F943EA9AA995}"/>
+              </a:ext>
+            </a:extLst>
+          </p:cNvPr>
+          <p:cNvSpPr>
+            <a:spLocks noGrp="1"/>
+          </p:cNvSpPr>
+          <p:nvPr>
+            <p:ph idx="1"/>
+          </p:nvPr>
+        </p:nvSpPr>
+        <p:spPr>
+          <a:xfrm>
+            <a:off x="1451581" y="2015732"/>
+            <a:ext cx="4172212" cy="3450613"/>
+          </a:xfrm>
+        </p:spPr>
+        <p:txBody>
+          <a:bodyPr>
+            <a:normAutofit/>
+          </a:bodyPr>
+          <a:lstStyle/>
+          <a:p>
+            <a:r>
+              <a:rPr lang="sl-SI" dirty="0"/>
+              <a:t>Ta koda poišče podatke, ki so starejši od 60 sekund in jih zbriše.</a:t>
+            </a:r>
+          </a:p>
+          <a:p>
+            <a:endParaRPr lang="sl-SI" dirty="0"/>
+          </a:p>
+          <a:p>
+            <a:r>
+              <a:rPr lang="sl-SI" dirty="0"/>
+              <a:t>Zbriše jih tako iz uporabnikov kot iz posameznih stanj.</a:t>
+            </a:r>
+            <a:endParaRPr lang="en-US" dirty="0"/>
+          </a:p>
+        </p:txBody>
+      </p:sp>
+      <p:pic>
+        <p:nvPicPr>
+          <p:cNvPr id="5" name="Označba mesta vsebine 4">
+            <a:extLst>
+              <a:ext uri="{FF2B5EF4-FFF2-40B4-BE49-F238E27FC236}">
+                <a16:creationId xmlns:a16="http://schemas.microsoft.com/office/drawing/2014/main" id="{E301280D-8A24-F7D2-9253-178BDFAD08FA}"/>
+              </a:ext>
+            </a:extLst>
+          </p:cNvPr>
+          <p:cNvPicPr>
+            <a:picLocks noChangeAspect="1"/>
+          </p:cNvPicPr>
+          <p:nvPr/>
+        </p:nvPicPr>
+        <p:blipFill>
+          <a:blip r:embed="rId2"/>
+          <a:stretch>
+            <a:fillRect/>
+          </a:stretch>
+        </p:blipFill>
+        <p:spPr>
+          <a:xfrm>
+            <a:off x="6214752" y="805583"/>
+            <a:ext cx="4719759" cy="4660762"/>
+          </a:xfrm>
+          <a:prstGeom prst="rect">
+            <a:avLst/>
+          </a:prstGeom>
+        </p:spPr>
+      </p:pic>
+      <p:pic>
+        <p:nvPicPr>
+          <p:cNvPr id="18" name="Picture 17">
+            <a:extLst>
+              <a:ext uri="{FF2B5EF4-FFF2-40B4-BE49-F238E27FC236}">
+                <a16:creationId xmlns:a16="http://schemas.microsoft.com/office/drawing/2014/main" id="{39D1DDD4-5BB3-45BA-B9B3-06B62299AD79}"/>
+              </a:ext>
+              <a:ext uri="{C183D7F6-B498-43B3-948B-1728B52AA6E4}">
+                <adec:decorative xmlns:adec="http://schemas.microsoft.com/office/drawing/2017/decorative" val="1"/>
+              </a:ext>
+            </a:extLst>
+          </p:cNvPr>
+          <p:cNvPicPr>
+            <a:picLocks noGrp="1" noRot="1" noChangeAspect="1" noMove="1" noResize="1" noEditPoints="1" noAdjustHandles="1" noChangeArrowheads="1" noChangeShapeType="1" noCrop="1"/>
+          </p:cNvPicPr>
+          <p:nvPr>
+            <p:extLst>
+              <p:ext uri="{386F3935-93C4-4BCD-93E2-E3B085C9AB24}">
+                <p16:designElem xmlns:p16="http://schemas.microsoft.com/office/powerpoint/2015/main" val="1"/>
+              </p:ext>
+            </p:extLst>
+          </p:nvPr>
+        </p:nvPicPr>
+        <p:blipFill rotWithShape="1">
+          <a:blip r:embed="rId3">
+            <a:extLst>
+              <a:ext uri="{28A0092B-C50C-407E-A947-70E740481C1C}">
+                <a14:useLocalDpi xmlns:a14="http://schemas.microsoft.com/office/drawing/2010/main" val="0"/>
+              </a:ext>
+            </a:extLst>
+          </a:blip>
+          <a:srcRect t="1538" b="-1538"/>
+          <a:stretch/>
+        </p:blipFill>
+        <p:spPr bwMode="black">
+          <a:xfrm>
+            <a:off x="0" y="6126480"/>
+            <a:ext cx="12192000" cy="742950"/>
+          </a:xfrm>
+          <a:prstGeom prst="rect">
+            <a:avLst/>
+          </a:prstGeom>
+        </p:spPr>
+      </p:pic>
+      <p:cxnSp>
+        <p:nvCxnSpPr>
+          <p:cNvPr id="20" name="Straight Connector 19">
+            <a:extLst>
+              <a:ext uri="{FF2B5EF4-FFF2-40B4-BE49-F238E27FC236}">
+                <a16:creationId xmlns:a16="http://schemas.microsoft.com/office/drawing/2014/main" id="{A24DAE64-2302-42EA-8239-F2F0775CA5AD}"/>
+              </a:ext>
+              <a:ext uri="{C183D7F6-B498-43B3-948B-1728B52AA6E4}">
+                <adec:decorative xmlns:adec="http://schemas.microsoft.com/office/drawing/2017/decorative" val="1"/>
+              </a:ext>
+            </a:extLst>
+          </p:cNvPr>
+          <p:cNvCxnSpPr>
+            <a:cxnSpLocks noGrp="1" noRot="1" noChangeAspect="1" noMove="1" noResize="1" noEditPoints="1" noAdjustHandles="1" noChangeArrowheads="1" noChangeShapeType="1"/>
+          </p:cNvCxnSpPr>
+          <p:nvPr>
+            <p:extLst>
+              <p:ext uri="{386F3935-93C4-4BCD-93E2-E3B085C9AB24}">
+                <p16:designElem xmlns:p16="http://schemas.microsoft.com/office/powerpoint/2015/main" val="1"/>
+              </p:ext>
+            </p:extLst>
+          </p:nvPr>
+        </p:nvCxnSpPr>
+        <p:spPr>
+          <a:xfrm>
+            <a:off x="0" y="6128413"/>
+            <a:ext cx="12192000" cy="0"/>
+          </a:xfrm>
+          <a:prstGeom prst="line">
+            <a:avLst/>
+          </a:prstGeom>
+          <a:ln w="12700">
+            <a:solidFill>
+              <a:srgbClr val="000001">
+                <a:alpha val="20000"/>
+              </a:srgbClr>
+            </a:solidFill>
+          </a:ln>
+        </p:spPr>
+        <p:style>
+          <a:lnRef idx="1">
+            <a:schemeClr val="accent1"/>
+          </a:lnRef>
+          <a:fillRef idx="0">
+            <a:schemeClr val="accent1"/>
+          </a:fillRef>
+          <a:effectRef idx="0">
+            <a:schemeClr val="accent1"/>
+          </a:effectRef>
+          <a:fontRef idx="minor">
+            <a:schemeClr val="tx1"/>
+          </a:fontRef>
+        </p:style>
+      </p:cxnSp>
+    </p:spTree>
+    <p:extLst>
+      <p:ext uri="{BB962C8B-B14F-4D97-AF65-F5344CB8AC3E}">
+        <p14:creationId xmlns:p14="http://schemas.microsoft.com/office/powerpoint/2010/main" val="3182740764"/>
+      </p:ext>
+    </p:extLst>
+  </p:cSld>
+  <p:clrMapOvr>
+    <a:masterClrMapping/>
+  </p:clrMapOvr>
+</p:sld>
+</file>
+
+<file path=ppt/slides/slide15.xml><?xml version="1.0" encoding="utf-8"?>
+<p:sld xmlns:a="http://schemas.openxmlformats.org/drawingml/2006/main" xmlns:r="http://schemas.openxmlformats.org/officeDocument/2006/relationships" xmlns:p="http://schemas.openxmlformats.org/presentationml/2006/main">
+  <p:cSld>
+    <p:bg>
+      <p:bgPr>
+        <a:gradFill rotWithShape="1">
+          <a:gsLst>
+            <a:gs pos="0">
+              <a:schemeClr val="bg2">
+                <a:tint val="94000"/>
+                <a:satMod val="80000"/>
+                <a:lumMod val="106000"/>
+              </a:schemeClr>
+            </a:gs>
+            <a:gs pos="100000">
+              <a:schemeClr val="bg2">
+                <a:shade val="80000"/>
+              </a:schemeClr>
+            </a:gs>
+          </a:gsLst>
+          <a:path path="circle">
+            <a:fillToRect l="43000" r="43000" b="100000"/>
+          </a:path>
+        </a:gradFill>
+        <a:effectLst/>
+      </p:bgPr>
+    </p:bg>
+    <p:spTree>
+      <p:nvGrpSpPr>
+        <p:cNvPr id="1" name=""/>
+        <p:cNvGrpSpPr/>
+        <p:nvPr/>
+      </p:nvGrpSpPr>
+      <p:grpSpPr>
+        <a:xfrm>
+          <a:off x="0" y="0"/>
+          <a:ext cx="0" cy="0"/>
+          <a:chOff x="0" y="0"/>
+          <a:chExt cx="0" cy="0"/>
+        </a:xfrm>
+      </p:grpSpPr>
+      <p:sp useBgFill="1">
+        <p:nvSpPr>
+          <p:cNvPr id="10" name="Rectangle 9">
+            <a:extLst>
+              <a:ext uri="{FF2B5EF4-FFF2-40B4-BE49-F238E27FC236}">
+                <a16:creationId xmlns:a16="http://schemas.microsoft.com/office/drawing/2014/main" id="{C630F413-44CE-4746-9821-9E0107978E7A}"/>
+              </a:ext>
+              <a:ext uri="{C183D7F6-B498-43B3-948B-1728B52AA6E4}">
+                <adec:decorative xmlns:adec="http://schemas.microsoft.com/office/drawing/2017/decorative" val="1"/>
+              </a:ext>
+            </a:extLst>
+          </p:cNvPr>
+          <p:cNvSpPr>
+            <a:spLocks noGrp="1" noRot="1" noChangeAspect="1" noMove="1" noResize="1" noEditPoints="1" noAdjustHandles="1" noChangeArrowheads="1" noChangeShapeType="1" noTextEdit="1"/>
+          </p:cNvSpPr>
+          <p:nvPr>
+            <p:extLst>
+              <p:ext uri="{386F3935-93C4-4BCD-93E2-E3B085C9AB24}">
+                <p16:designElem xmlns:p16="http://schemas.microsoft.com/office/powerpoint/2015/main" val="1"/>
+              </p:ext>
+            </p:extLst>
+          </p:nvPr>
+        </p:nvSpPr>
+        <p:spPr>
+          <a:xfrm>
+            <a:off x="2" y="0"/>
+            <a:ext cx="12191695" cy="6858000"/>
+          </a:xfrm>
+          <a:prstGeom prst="rect">
+            <a:avLst/>
+          </a:prstGeom>
+          <a:ln>
+            <a:noFill/>
+          </a:ln>
+        </p:spPr>
+        <p:style>
+          <a:lnRef idx="2">
+            <a:schemeClr val="accent1">
+              <a:shade val="50000"/>
+            </a:schemeClr>
+          </a:lnRef>
+          <a:fillRef idx="1">
+            <a:schemeClr val="accent1"/>
+          </a:fillRef>
+          <a:effectRef idx="0">
+            <a:schemeClr val="accent1"/>
+          </a:effectRef>
+          <a:fontRef idx="minor">
+            <a:schemeClr val="lt1"/>
+          </a:fontRef>
+        </p:style>
+        <p:txBody>
+          <a:bodyPr rtlCol="0" anchor="ctr"/>
+          <a:lstStyle/>
+          <a:p>
+            <a:pPr algn="ctr"/>
+            <a:endParaRPr lang="en-US"/>
+          </a:p>
+        </p:txBody>
+      </p:sp>
+      <p:sp>
+        <p:nvSpPr>
+          <p:cNvPr id="12" name="Rectangle 11">
+            <a:extLst>
+              <a:ext uri="{FF2B5EF4-FFF2-40B4-BE49-F238E27FC236}">
+                <a16:creationId xmlns:a16="http://schemas.microsoft.com/office/drawing/2014/main" id="{22D671B1-B099-4F9C-B9CC-9D22B4DAF8A8}"/>
+              </a:ext>
+              <a:ext uri="{C183D7F6-B498-43B3-948B-1728B52AA6E4}">
+                <adec:decorative xmlns:adec="http://schemas.microsoft.com/office/drawing/2017/decorative" val="1"/>
+              </a:ext>
+            </a:extLst>
+          </p:cNvPr>
+          <p:cNvSpPr>
+            <a:spLocks noGrp="1" noRot="1" noChangeAspect="1" noMove="1" noResize="1" noEditPoints="1" noAdjustHandles="1" noChangeArrowheads="1" noChangeShapeType="1" noTextEdit="1"/>
+          </p:cNvSpPr>
+          <p:nvPr>
+            <p:extLst>
+              <p:ext uri="{386F3935-93C4-4BCD-93E2-E3B085C9AB24}">
+                <p16:designElem xmlns:p16="http://schemas.microsoft.com/office/powerpoint/2015/main" val="1"/>
+              </p:ext>
+            </p:extLst>
+          </p:nvPr>
+        </p:nvSpPr>
+        <p:spPr>
+          <a:xfrm>
+            <a:off x="0" y="2019476"/>
+            <a:ext cx="12192000" cy="4838524"/>
+          </a:xfrm>
+          <a:prstGeom prst="rect">
+            <a:avLst/>
+          </a:prstGeom>
+          <a:gradFill flip="none" rotWithShape="1">
+            <a:gsLst>
+              <a:gs pos="0">
+                <a:schemeClr val="bg2">
+                  <a:alpha val="0"/>
+                </a:schemeClr>
+              </a:gs>
+              <a:gs pos="100000">
+                <a:schemeClr val="bg2"/>
+              </a:gs>
+            </a:gsLst>
+            <a:lin ang="5400000" scaled="0"/>
+            <a:tileRect/>
+          </a:gradFill>
+          <a:ln>
+            <a:noFill/>
+          </a:ln>
+        </p:spPr>
+        <p:style>
+          <a:lnRef idx="2">
+            <a:schemeClr val="accent1">
+              <a:shade val="50000"/>
+            </a:schemeClr>
+          </a:lnRef>
+          <a:fillRef idx="1">
+            <a:schemeClr val="accent1"/>
+          </a:fillRef>
+          <a:effectRef idx="0">
+            <a:schemeClr val="accent1"/>
+          </a:effectRef>
+          <a:fontRef idx="minor">
+            <a:schemeClr val="lt1"/>
+          </a:fontRef>
+        </p:style>
+        <p:txBody>
+          <a:bodyPr rtlCol="0" anchor="ctr"/>
+          <a:lstStyle/>
+          <a:p>
+            <a:pPr lvl="0" algn="ctr"/>
+            <a:endParaRPr lang="en-US"/>
+          </a:p>
+        </p:txBody>
+      </p:sp>
+      <p:sp>
+        <p:nvSpPr>
+          <p:cNvPr id="2" name="Naslov 1">
+            <a:extLst>
+              <a:ext uri="{FF2B5EF4-FFF2-40B4-BE49-F238E27FC236}">
+                <a16:creationId xmlns:a16="http://schemas.microsoft.com/office/drawing/2014/main" id="{F8195599-87CF-155A-FF48-D38233299E30}"/>
+              </a:ext>
+            </a:extLst>
+          </p:cNvPr>
+          <p:cNvSpPr>
+            <a:spLocks noGrp="1"/>
+          </p:cNvSpPr>
+          <p:nvPr>
+            <p:ph type="title"/>
+          </p:nvPr>
+        </p:nvSpPr>
+        <p:spPr>
+          <a:xfrm>
+            <a:off x="7555992" y="707475"/>
+            <a:ext cx="3157577" cy="1312001"/>
+          </a:xfrm>
+        </p:spPr>
+        <p:txBody>
+          <a:bodyPr anchor="t">
+            <a:normAutofit/>
+          </a:bodyPr>
+          <a:lstStyle/>
+          <a:p>
+            <a:r>
+              <a:rPr lang="sl-SI" sz="2800"/>
+              <a:t>Expres – koda za dodajanje stanj ceste</a:t>
+            </a:r>
+          </a:p>
+        </p:txBody>
+      </p:sp>
+      <p:cxnSp>
+        <p:nvCxnSpPr>
+          <p:cNvPr id="14" name="Straight Connector 13">
+            <a:extLst>
+              <a:ext uri="{FF2B5EF4-FFF2-40B4-BE49-F238E27FC236}">
+                <a16:creationId xmlns:a16="http://schemas.microsoft.com/office/drawing/2014/main" id="{7552FBEF-FA69-427B-8245-0A518E0513D5}"/>
+              </a:ext>
+              <a:ext uri="{C183D7F6-B498-43B3-948B-1728B52AA6E4}">
+                <adec:decorative xmlns:adec="http://schemas.microsoft.com/office/drawing/2017/decorative" val="1"/>
+              </a:ext>
+            </a:extLst>
+          </p:cNvPr>
+          <p:cNvCxnSpPr>
+            <a:cxnSpLocks noGrp="1" noRot="1" noChangeAspect="1" noMove="1" noResize="1" noEditPoints="1" noAdjustHandles="1" noChangeArrowheads="1" noChangeShapeType="1"/>
+          </p:cNvCxnSpPr>
+          <p:nvPr>
+            <p:extLst>
+              <p:ext uri="{386F3935-93C4-4BCD-93E2-E3B085C9AB24}">
+                <p16:designElem xmlns:p16="http://schemas.microsoft.com/office/powerpoint/2015/main" val="1"/>
+              </p:ext>
+            </p:extLst>
+          </p:nvPr>
+        </p:nvCxnSpPr>
+        <p:spPr>
+          <a:xfrm>
+            <a:off x="7555992" y="2146542"/>
+            <a:ext cx="3157578" cy="0"/>
+          </a:xfrm>
+          <a:prstGeom prst="line">
+            <a:avLst/>
+          </a:prstGeom>
+          <a:ln w="31750"/>
+        </p:spPr>
+        <p:style>
+          <a:lnRef idx="3">
+            <a:schemeClr val="accent1"/>
+          </a:lnRef>
+          <a:fillRef idx="0">
+            <a:schemeClr val="accent1"/>
+          </a:fillRef>
+          <a:effectRef idx="2">
+            <a:schemeClr val="accent1"/>
+          </a:effectRef>
+          <a:fontRef idx="minor">
+            <a:schemeClr val="tx1"/>
+          </a:fontRef>
+        </p:style>
+      </p:cxnSp>
+      <p:sp>
+        <p:nvSpPr>
+          <p:cNvPr id="16" name="Title 1">
+            <a:extLst>
+              <a:ext uri="{FF2B5EF4-FFF2-40B4-BE49-F238E27FC236}">
+                <a16:creationId xmlns:a16="http://schemas.microsoft.com/office/drawing/2014/main" id="{898488B7-DBD3-40E7-B54B-4DA6C5693EF3}"/>
+              </a:ext>
+              <a:ext uri="{C183D7F6-B498-43B3-948B-1728B52AA6E4}">
+                <adec:decorative xmlns:adec="http://schemas.microsoft.com/office/drawing/2017/decorative" val="1"/>
+              </a:ext>
+            </a:extLst>
+          </p:cNvPr>
+          <p:cNvSpPr txBox="1">
+            <a:spLocks noGrp="1" noRot="1" noChangeAspect="1" noMove="1" noResize="1" noEditPoints="1" noAdjustHandles="1" noChangeArrowheads="1" noChangeShapeType="1" noTextEdit="1"/>
+          </p:cNvSpPr>
+          <p:nvPr>
+            <p:extLst>
+              <p:ext uri="{386F3935-93C4-4BCD-93E2-E3B085C9AB24}">
+                <p16:designElem xmlns:p16="http://schemas.microsoft.com/office/powerpoint/2015/main" val="1"/>
+              </p:ext>
+            </p:extLst>
+          </p:nvPr>
+        </p:nvSpPr>
+        <p:spPr>
+          <a:xfrm>
+            <a:off x="1451580" y="3122496"/>
+            <a:ext cx="3530157" cy="1049235"/>
+          </a:xfrm>
+          <a:prstGeom prst="rect">
+            <a:avLst/>
+          </a:prstGeom>
+        </p:spPr>
+        <p:txBody>
+          <a:bodyPr vert="horz" lIns="91440" tIns="45720" rIns="91440" bIns="45720" rtlCol="0" anchor="t">
+            <a:normAutofit/>
+          </a:bodyPr>
+          <a:lstStyle>
+            <a:lvl1pPr algn="l" defTabSz="914400" rtl="0" eaLnBrk="1" latinLnBrk="0" hangingPunct="1">
+              <a:lnSpc>
+                <a:spcPct val="90000"/>
+              </a:lnSpc>
+              <a:spcBef>
+                <a:spcPct val="0"/>
+              </a:spcBef>
+              <a:buNone/>
+              <a:defRPr sz="3200" b="0" i="0" kern="1200" cap="all">
+                <a:solidFill>
+                  <a:schemeClr val="tx1"/>
+                </a:solidFill>
+                <a:effectLst/>
+                <a:latin typeface="+mj-lt"/>
+                <a:ea typeface="+mj-ea"/>
+                <a:cs typeface="+mj-cs"/>
+              </a:defRPr>
+            </a:lvl1pPr>
+          </a:lstStyle>
+          <a:p>
+            <a:endParaRPr lang="en-US" dirty="0"/>
+          </a:p>
+        </p:txBody>
+      </p:sp>
+      <p:pic>
+        <p:nvPicPr>
+          <p:cNvPr id="5" name="Slika 4">
+            <a:extLst>
+              <a:ext uri="{FF2B5EF4-FFF2-40B4-BE49-F238E27FC236}">
+                <a16:creationId xmlns:a16="http://schemas.microsoft.com/office/drawing/2014/main" id="{8897D73A-83A7-BB7C-C2E5-4D46FD6E8505}"/>
+              </a:ext>
+            </a:extLst>
+          </p:cNvPr>
+          <p:cNvPicPr>
+            <a:picLocks noChangeAspect="1"/>
+          </p:cNvPicPr>
+          <p:nvPr/>
+        </p:nvPicPr>
+        <p:blipFill>
+          <a:blip r:embed="rId2"/>
+          <a:stretch>
+            <a:fillRect/>
+          </a:stretch>
+        </p:blipFill>
+        <p:spPr>
+          <a:xfrm>
+            <a:off x="1136348" y="1315024"/>
+            <a:ext cx="5761020" cy="4291959"/>
+          </a:xfrm>
+          <a:prstGeom prst="rect">
+            <a:avLst/>
+          </a:prstGeom>
+        </p:spPr>
+      </p:pic>
+      <p:sp>
+        <p:nvSpPr>
+          <p:cNvPr id="3" name="Označba mesta vsebine 2">
+            <a:extLst>
+              <a:ext uri="{FF2B5EF4-FFF2-40B4-BE49-F238E27FC236}">
+                <a16:creationId xmlns:a16="http://schemas.microsoft.com/office/drawing/2014/main" id="{EA0012AE-D92D-5EB2-3680-1FD577830FE2}"/>
+              </a:ext>
+            </a:extLst>
+          </p:cNvPr>
+          <p:cNvSpPr>
+            <a:spLocks noGrp="1"/>
+          </p:cNvSpPr>
+          <p:nvPr>
+            <p:ph idx="1"/>
+          </p:nvPr>
+        </p:nvSpPr>
+        <p:spPr>
+          <a:xfrm>
+            <a:off x="7554138" y="2273608"/>
+            <a:ext cx="3159432" cy="3940925"/>
+          </a:xfrm>
+        </p:spPr>
+        <p:txBody>
+          <a:bodyPr>
+            <a:normAutofit/>
+          </a:bodyPr>
+          <a:lstStyle/>
+          <a:p>
+            <a:r>
+              <a:rPr lang="sl-SI" dirty="0"/>
+              <a:t>Iz polja pospeškometra se z standardni deviaciji preračuna stanje ceste</a:t>
+            </a:r>
+          </a:p>
+          <a:p>
+            <a:endParaRPr lang="sl-SI" dirty="0"/>
+          </a:p>
+          <a:p>
+            <a:r>
+              <a:rPr lang="sl-SI" dirty="0"/>
+              <a:t>Podatki se </a:t>
+            </a:r>
+            <a:r>
+              <a:rPr lang="sl-SI"/>
+              <a:t>nato shranijo v bazo</a:t>
+            </a:r>
+          </a:p>
+        </p:txBody>
+      </p:sp>
+    </p:spTree>
+    <p:extLst>
+      <p:ext uri="{BB962C8B-B14F-4D97-AF65-F5344CB8AC3E}">
+        <p14:creationId xmlns:p14="http://schemas.microsoft.com/office/powerpoint/2010/main" val="543864351"/>
       </p:ext>
     </p:extLst>
   </p:cSld>
